--- a/lectures/weekly_slides/M0_CourseIntro/M0_CourseIntro.pptx
+++ b/lectures/weekly_slides/M0_CourseIntro/M0_CourseIntro.pptx
@@ -259,7 +259,7 @@
           <a:p>
             <a:fld id="{0B9AF00C-6D75-48A8-A194-B96D46F0E30B}" type="datetimeFigureOut">
               <a:rPr lang="en-US" smtClean="0"/>
-              <a:t>10/29/2021</a:t>
+              <a:t>11/1/2021</a:t>
             </a:fld>
             <a:endParaRPr lang="en-US"/>
           </a:p>
@@ -451,7 +451,7 @@
               <a:pPr>
                 <a:defRPr/>
               </a:pPr>
-              <a:t>10/29/2021</a:t>
+              <a:t>11/1/2021</a:t>
             </a:fld>
             <a:endParaRPr lang="en-US"/>
           </a:p>
@@ -1096,7 +1096,7 @@
               <a:pPr>
                 <a:defRPr/>
               </a:pPr>
-              <a:t>10/29/2021</a:t>
+              <a:t>11/1/2021</a:t>
             </a:fld>
             <a:endParaRPr lang="en-US" dirty="0"/>
           </a:p>
@@ -2853,7 +2853,7 @@
           <a:p>
             <a:fld id="{A35C81D1-1CD0-4635-879D-7FA4B608ED76}" type="datetimeFigureOut">
               <a:rPr lang="en-GB" smtClean="0"/>
-              <a:t>29/10/2021</a:t>
+              <a:t>01/11/2021</a:t>
             </a:fld>
             <a:endParaRPr lang="en-GB"/>
           </a:p>
@@ -3442,7 +3442,7 @@
               <a:pPr>
                 <a:defRPr/>
               </a:pPr>
-              <a:t>10/29/2021</a:t>
+              <a:t>11/1/2021</a:t>
             </a:fld>
             <a:endParaRPr lang="en-US"/>
           </a:p>
@@ -4908,9 +4908,6 @@
             <a:pPr algn="l"/>
             <a:r>
               <a:rPr lang="en-US" b="0" i="0" dirty="0">
-                <a:solidFill>
-                  <a:srgbClr val="666666"/>
-                </a:solidFill>
                 <a:effectLst/>
               </a:rPr>
               <a:t>Design functional prototypes according to specifications and concept testing through microcontrollers and computer architecture.</a:t>
@@ -4919,9 +4916,6 @@
           <a:p>
             <a:pPr algn="l"/>
             <a:endParaRPr lang="en-US" b="0" i="0" dirty="0">
-              <a:solidFill>
-                <a:srgbClr val="666666"/>
-              </a:solidFill>
               <a:effectLst/>
             </a:endParaRPr>
           </a:p>
@@ -4929,9 +4923,6 @@
             <a:pPr algn="l"/>
             <a:r>
               <a:rPr lang="en-US" b="0" i="0" dirty="0">
-                <a:solidFill>
-                  <a:srgbClr val="666666"/>
-                </a:solidFill>
                 <a:effectLst/>
               </a:rPr>
               <a:t>Develop validation methodologies for electronic systems based on microcontrollers and computer architecture.</a:t>
@@ -4940,9 +4931,6 @@
           <a:p>
             <a:pPr algn="l"/>
             <a:endParaRPr lang="en-US" b="0" i="0" dirty="0">
-              <a:solidFill>
-                <a:srgbClr val="666666"/>
-              </a:solidFill>
               <a:effectLst/>
             </a:endParaRPr>
           </a:p>
@@ -4950,9 +4938,6 @@
             <a:pPr algn="l"/>
             <a:r>
               <a:rPr lang="en-US" b="0" i="0" dirty="0">
-                <a:solidFill>
-                  <a:srgbClr val="666666"/>
-                </a:solidFill>
                 <a:effectLst/>
               </a:rPr>
               <a:t>Manage electronic engineering projects from a multidisciplinary perspective.</a:t>
@@ -5277,6 +5262,16 @@
               </a:rPr>
               <a:t> Andrade</a:t>
             </a:r>
+          </a:p>
+          <a:p>
+            <a:pPr marL="0" indent="0">
+              <a:buNone/>
+            </a:pPr>
+            <a:endParaRPr lang="en-US" b="1" dirty="0">
+              <a:solidFill>
+                <a:srgbClr val="3333B2"/>
+              </a:solidFill>
+            </a:endParaRPr>
           </a:p>
           <a:p>
             <a:r>
